--- a/lec14/lec14.pptx
+++ b/lec14/lec14.pptx
@@ -305,7 +305,7 @@
           <a:p>
             <a:fld id="{3A4DE842-E3B8-4097-9F8A-C9DBE7787487}" type="datetimeFigureOut">
               <a:rPr lang="ar-EG" smtClean="0"/>
-              <a:t>23/05/1446</a:t>
+              <a:t>17/08/1446</a:t>
             </a:fld>
             <a:endParaRPr lang="ar-EG"/>
           </a:p>
@@ -580,7 +580,7 @@
           <a:p>
             <a:fld id="{3A4DE842-E3B8-4097-9F8A-C9DBE7787487}" type="datetimeFigureOut">
               <a:rPr lang="ar-EG" smtClean="0"/>
-              <a:t>23/05/1446</a:t>
+              <a:t>17/08/1446</a:t>
             </a:fld>
             <a:endParaRPr lang="ar-EG"/>
           </a:p>
@@ -774,7 +774,7 @@
           <a:p>
             <a:fld id="{3A4DE842-E3B8-4097-9F8A-C9DBE7787487}" type="datetimeFigureOut">
               <a:rPr lang="ar-EG" smtClean="0"/>
-              <a:t>23/05/1446</a:t>
+              <a:t>17/08/1446</a:t>
             </a:fld>
             <a:endParaRPr lang="ar-EG"/>
           </a:p>
@@ -1047,7 +1047,7 @@
           <a:p>
             <a:fld id="{3A4DE842-E3B8-4097-9F8A-C9DBE7787487}" type="datetimeFigureOut">
               <a:rPr lang="ar-EG" smtClean="0"/>
-              <a:t>23/05/1446</a:t>
+              <a:t>17/08/1446</a:t>
             </a:fld>
             <a:endParaRPr lang="ar-EG"/>
           </a:p>
@@ -1388,7 +1388,7 @@
           <a:p>
             <a:fld id="{3A4DE842-E3B8-4097-9F8A-C9DBE7787487}" type="datetimeFigureOut">
               <a:rPr lang="ar-EG" smtClean="0"/>
-              <a:t>23/05/1446</a:t>
+              <a:t>17/08/1446</a:t>
             </a:fld>
             <a:endParaRPr lang="ar-EG"/>
           </a:p>
@@ -2011,7 +2011,7 @@
           <a:p>
             <a:fld id="{3A4DE842-E3B8-4097-9F8A-C9DBE7787487}" type="datetimeFigureOut">
               <a:rPr lang="ar-EG" smtClean="0"/>
-              <a:t>23/05/1446</a:t>
+              <a:t>17/08/1446</a:t>
             </a:fld>
             <a:endParaRPr lang="ar-EG"/>
           </a:p>
@@ -2871,7 +2871,7 @@
           <a:p>
             <a:fld id="{3A4DE842-E3B8-4097-9F8A-C9DBE7787487}" type="datetimeFigureOut">
               <a:rPr lang="ar-EG" smtClean="0"/>
-              <a:t>23/05/1446</a:t>
+              <a:t>17/08/1446</a:t>
             </a:fld>
             <a:endParaRPr lang="ar-EG"/>
           </a:p>
@@ -3041,7 +3041,7 @@
           <a:p>
             <a:fld id="{3A4DE842-E3B8-4097-9F8A-C9DBE7787487}" type="datetimeFigureOut">
               <a:rPr lang="ar-EG" smtClean="0"/>
-              <a:t>23/05/1446</a:t>
+              <a:t>17/08/1446</a:t>
             </a:fld>
             <a:endParaRPr lang="ar-EG"/>
           </a:p>
@@ -3221,7 +3221,7 @@
           <a:p>
             <a:fld id="{3A4DE842-E3B8-4097-9F8A-C9DBE7787487}" type="datetimeFigureOut">
               <a:rPr lang="ar-EG" smtClean="0"/>
-              <a:t>23/05/1446</a:t>
+              <a:t>17/08/1446</a:t>
             </a:fld>
             <a:endParaRPr lang="ar-EG"/>
           </a:p>
@@ -3391,7 +3391,7 @@
           <a:p>
             <a:fld id="{3A4DE842-E3B8-4097-9F8A-C9DBE7787487}" type="datetimeFigureOut">
               <a:rPr lang="ar-EG" smtClean="0"/>
-              <a:t>23/05/1446</a:t>
+              <a:t>17/08/1446</a:t>
             </a:fld>
             <a:endParaRPr lang="ar-EG"/>
           </a:p>
@@ -3638,7 +3638,7 @@
           <a:p>
             <a:fld id="{3A4DE842-E3B8-4097-9F8A-C9DBE7787487}" type="datetimeFigureOut">
               <a:rPr lang="ar-EG" smtClean="0"/>
-              <a:t>23/05/1446</a:t>
+              <a:t>17/08/1446</a:t>
             </a:fld>
             <a:endParaRPr lang="ar-EG"/>
           </a:p>
@@ -3930,7 +3930,7 @@
           <a:p>
             <a:fld id="{3A4DE842-E3B8-4097-9F8A-C9DBE7787487}" type="datetimeFigureOut">
               <a:rPr lang="ar-EG" smtClean="0"/>
-              <a:t>23/05/1446</a:t>
+              <a:t>17/08/1446</a:t>
             </a:fld>
             <a:endParaRPr lang="ar-EG"/>
           </a:p>
@@ -4374,7 +4374,7 @@
           <a:p>
             <a:fld id="{3A4DE842-E3B8-4097-9F8A-C9DBE7787487}" type="datetimeFigureOut">
               <a:rPr lang="ar-EG" smtClean="0"/>
-              <a:t>23/05/1446</a:t>
+              <a:t>17/08/1446</a:t>
             </a:fld>
             <a:endParaRPr lang="ar-EG"/>
           </a:p>
@@ -4492,7 +4492,7 @@
           <a:p>
             <a:fld id="{3A4DE842-E3B8-4097-9F8A-C9DBE7787487}" type="datetimeFigureOut">
               <a:rPr lang="ar-EG" smtClean="0"/>
-              <a:t>23/05/1446</a:t>
+              <a:t>17/08/1446</a:t>
             </a:fld>
             <a:endParaRPr lang="ar-EG"/>
           </a:p>
@@ -4587,7 +4587,7 @@
           <a:p>
             <a:fld id="{3A4DE842-E3B8-4097-9F8A-C9DBE7787487}" type="datetimeFigureOut">
               <a:rPr lang="ar-EG" smtClean="0"/>
-              <a:t>23/05/1446</a:t>
+              <a:t>17/08/1446</a:t>
             </a:fld>
             <a:endParaRPr lang="ar-EG"/>
           </a:p>
@@ -4866,7 +4866,7 @@
           <a:p>
             <a:fld id="{3A4DE842-E3B8-4097-9F8A-C9DBE7787487}" type="datetimeFigureOut">
               <a:rPr lang="ar-EG" smtClean="0"/>
-              <a:t>23/05/1446</a:t>
+              <a:t>17/08/1446</a:t>
             </a:fld>
             <a:endParaRPr lang="ar-EG"/>
           </a:p>
@@ -5141,7 +5141,7 @@
           <a:p>
             <a:fld id="{3A4DE842-E3B8-4097-9F8A-C9DBE7787487}" type="datetimeFigureOut">
               <a:rPr lang="ar-EG" smtClean="0"/>
-              <a:t>23/05/1446</a:t>
+              <a:t>17/08/1446</a:t>
             </a:fld>
             <a:endParaRPr lang="ar-EG"/>
           </a:p>
@@ -5570,7 +5570,7 @@
           <a:p>
             <a:fld id="{3A4DE842-E3B8-4097-9F8A-C9DBE7787487}" type="datetimeFigureOut">
               <a:rPr lang="ar-EG" smtClean="0"/>
-              <a:t>23/05/1446</a:t>
+              <a:t>17/08/1446</a:t>
             </a:fld>
             <a:endParaRPr lang="ar-EG"/>
           </a:p>
@@ -8167,7 +8167,7 @@
         </p:blipFill>
         <p:spPr>
           <a:xfrm>
-            <a:off x="836888" y="1894391"/>
+            <a:off x="462670" y="1202118"/>
             <a:ext cx="10749529" cy="3407315"/>
           </a:xfrm>
           <a:prstGeom prst="rect">
@@ -8175,6 +8175,132 @@
           </a:prstGeom>
         </p:spPr>
       </p:pic>
+      <p:sp>
+        <p:nvSpPr>
+          <p:cNvPr id="6" name="TextBox 5">
+            <a:extLst>
+              <a:ext uri="{FF2B5EF4-FFF2-40B4-BE49-F238E27FC236}">
+                <a16:creationId xmlns:a16="http://schemas.microsoft.com/office/drawing/2014/main" id="{649E2F68-BA32-55B1-BE31-843F3226F849}"/>
+              </a:ext>
+            </a:extLst>
+          </p:cNvPr>
+          <p:cNvSpPr txBox="1"/>
+          <p:nvPr/>
+        </p:nvSpPr>
+        <p:spPr>
+          <a:xfrm>
+            <a:off x="187367" y="4703088"/>
+            <a:ext cx="6209070" cy="369332"/>
+          </a:xfrm>
+          <a:prstGeom prst="rect">
+            <a:avLst/>
+          </a:prstGeom>
+          <a:noFill/>
+        </p:spPr>
+        <p:txBody>
+          <a:bodyPr wrap="square">
+            <a:spAutoFit/>
+          </a:bodyPr>
+          <a:lstStyle/>
+          <a:p>
+            <a:r>
+              <a:rPr lang="en-US" dirty="0"/>
+              <a:t>HMAC : Hash-based Message Authentication Code</a:t>
+            </a:r>
+          </a:p>
+        </p:txBody>
+      </p:sp>
+      <p:sp>
+        <p:nvSpPr>
+          <p:cNvPr id="9" name="TextBox 8">
+            <a:extLst>
+              <a:ext uri="{FF2B5EF4-FFF2-40B4-BE49-F238E27FC236}">
+                <a16:creationId xmlns:a16="http://schemas.microsoft.com/office/drawing/2014/main" id="{D7377975-0AD1-E70D-3E61-D8922938B46A}"/>
+              </a:ext>
+            </a:extLst>
+          </p:cNvPr>
+          <p:cNvSpPr txBox="1"/>
+          <p:nvPr/>
+        </p:nvSpPr>
+        <p:spPr>
+          <a:xfrm>
+            <a:off x="7296090" y="4703088"/>
+            <a:ext cx="3649672" cy="369332"/>
+          </a:xfrm>
+          <a:prstGeom prst="rect">
+            <a:avLst/>
+          </a:prstGeom>
+          <a:noFill/>
+        </p:spPr>
+        <p:txBody>
+          <a:bodyPr wrap="square">
+            <a:spAutoFit/>
+          </a:bodyPr>
+          <a:lstStyle/>
+          <a:p>
+            <a:r>
+              <a:rPr lang="en-US" dirty="0"/>
+              <a:t>SHA (Secure Hash Algorithm)</a:t>
+            </a:r>
+          </a:p>
+        </p:txBody>
+      </p:sp>
+      <p:sp>
+        <p:nvSpPr>
+          <p:cNvPr id="11" name="TextBox 10">
+            <a:extLst>
+              <a:ext uri="{FF2B5EF4-FFF2-40B4-BE49-F238E27FC236}">
+                <a16:creationId xmlns:a16="http://schemas.microsoft.com/office/drawing/2014/main" id="{CCBAC6F6-8D77-352C-8D7E-19968D173F7F}"/>
+              </a:ext>
+            </a:extLst>
+          </p:cNvPr>
+          <p:cNvSpPr txBox="1"/>
+          <p:nvPr/>
+        </p:nvSpPr>
+        <p:spPr>
+          <a:xfrm>
+            <a:off x="789669" y="5488385"/>
+            <a:ext cx="9520084" cy="646331"/>
+          </a:xfrm>
+          <a:prstGeom prst="rect">
+            <a:avLst/>
+          </a:prstGeom>
+          <a:noFill/>
+        </p:spPr>
+        <p:txBody>
+          <a:bodyPr wrap="square">
+            <a:spAutoFit/>
+          </a:bodyPr>
+          <a:lstStyle/>
+          <a:p>
+            <a:pPr lvl="1" algn="l"/>
+            <a:r>
+              <a:rPr lang="en-US" b="1" dirty="0"/>
+              <a:t>SHA-256? </a:t>
+            </a:r>
+          </a:p>
+          <a:p>
+            <a:pPr lvl="1" algn="l"/>
+            <a:r>
+              <a:rPr lang="en-US" dirty="0"/>
+              <a:t>SHA-256 (</a:t>
+            </a:r>
+            <a:r>
+              <a:rPr lang="en-US" b="1" dirty="0"/>
+              <a:t>Secure Hash Algorithm 256-bit</a:t>
+            </a:r>
+            <a:r>
+              <a:rPr lang="en-US" dirty="0"/>
+              <a:t>) is a </a:t>
+            </a:r>
+            <a:r>
+              <a:rPr lang="en-US" b="1" dirty="0"/>
+              <a:t>cryptographic hash function</a:t>
+            </a:r>
+            <a:endParaRPr lang="en-US" dirty="0"/>
+          </a:p>
+        </p:txBody>
+      </p:sp>
     </p:spTree>
     <p:extLst>
       <p:ext uri="{BB962C8B-B14F-4D97-AF65-F5344CB8AC3E}">

--- a/lec14/lec14.pptx
+++ b/lec14/lec14.pptx
@@ -305,7 +305,7 @@
           <a:p>
             <a:fld id="{3A4DE842-E3B8-4097-9F8A-C9DBE7787487}" type="datetimeFigureOut">
               <a:rPr lang="ar-EG" smtClean="0"/>
-              <a:t>17/08/1446</a:t>
+              <a:t>19/11/1446</a:t>
             </a:fld>
             <a:endParaRPr lang="ar-EG"/>
           </a:p>
@@ -580,7 +580,7 @@
           <a:p>
             <a:fld id="{3A4DE842-E3B8-4097-9F8A-C9DBE7787487}" type="datetimeFigureOut">
               <a:rPr lang="ar-EG" smtClean="0"/>
-              <a:t>17/08/1446</a:t>
+              <a:t>19/11/1446</a:t>
             </a:fld>
             <a:endParaRPr lang="ar-EG"/>
           </a:p>
@@ -774,7 +774,7 @@
           <a:p>
             <a:fld id="{3A4DE842-E3B8-4097-9F8A-C9DBE7787487}" type="datetimeFigureOut">
               <a:rPr lang="ar-EG" smtClean="0"/>
-              <a:t>17/08/1446</a:t>
+              <a:t>19/11/1446</a:t>
             </a:fld>
             <a:endParaRPr lang="ar-EG"/>
           </a:p>
@@ -1047,7 +1047,7 @@
           <a:p>
             <a:fld id="{3A4DE842-E3B8-4097-9F8A-C9DBE7787487}" type="datetimeFigureOut">
               <a:rPr lang="ar-EG" smtClean="0"/>
-              <a:t>17/08/1446</a:t>
+              <a:t>19/11/1446</a:t>
             </a:fld>
             <a:endParaRPr lang="ar-EG"/>
           </a:p>
@@ -1388,7 +1388,7 @@
           <a:p>
             <a:fld id="{3A4DE842-E3B8-4097-9F8A-C9DBE7787487}" type="datetimeFigureOut">
               <a:rPr lang="ar-EG" smtClean="0"/>
-              <a:t>17/08/1446</a:t>
+              <a:t>19/11/1446</a:t>
             </a:fld>
             <a:endParaRPr lang="ar-EG"/>
           </a:p>
@@ -2011,7 +2011,7 @@
           <a:p>
             <a:fld id="{3A4DE842-E3B8-4097-9F8A-C9DBE7787487}" type="datetimeFigureOut">
               <a:rPr lang="ar-EG" smtClean="0"/>
-              <a:t>17/08/1446</a:t>
+              <a:t>19/11/1446</a:t>
             </a:fld>
             <a:endParaRPr lang="ar-EG"/>
           </a:p>
@@ -2871,7 +2871,7 @@
           <a:p>
             <a:fld id="{3A4DE842-E3B8-4097-9F8A-C9DBE7787487}" type="datetimeFigureOut">
               <a:rPr lang="ar-EG" smtClean="0"/>
-              <a:t>17/08/1446</a:t>
+              <a:t>19/11/1446</a:t>
             </a:fld>
             <a:endParaRPr lang="ar-EG"/>
           </a:p>
@@ -3041,7 +3041,7 @@
           <a:p>
             <a:fld id="{3A4DE842-E3B8-4097-9F8A-C9DBE7787487}" type="datetimeFigureOut">
               <a:rPr lang="ar-EG" smtClean="0"/>
-              <a:t>17/08/1446</a:t>
+              <a:t>19/11/1446</a:t>
             </a:fld>
             <a:endParaRPr lang="ar-EG"/>
           </a:p>
@@ -3221,7 +3221,7 @@
           <a:p>
             <a:fld id="{3A4DE842-E3B8-4097-9F8A-C9DBE7787487}" type="datetimeFigureOut">
               <a:rPr lang="ar-EG" smtClean="0"/>
-              <a:t>17/08/1446</a:t>
+              <a:t>19/11/1446</a:t>
             </a:fld>
             <a:endParaRPr lang="ar-EG"/>
           </a:p>
@@ -3391,7 +3391,7 @@
           <a:p>
             <a:fld id="{3A4DE842-E3B8-4097-9F8A-C9DBE7787487}" type="datetimeFigureOut">
               <a:rPr lang="ar-EG" smtClean="0"/>
-              <a:t>17/08/1446</a:t>
+              <a:t>19/11/1446</a:t>
             </a:fld>
             <a:endParaRPr lang="ar-EG"/>
           </a:p>
@@ -3638,7 +3638,7 @@
           <a:p>
             <a:fld id="{3A4DE842-E3B8-4097-9F8A-C9DBE7787487}" type="datetimeFigureOut">
               <a:rPr lang="ar-EG" smtClean="0"/>
-              <a:t>17/08/1446</a:t>
+              <a:t>19/11/1446</a:t>
             </a:fld>
             <a:endParaRPr lang="ar-EG"/>
           </a:p>
@@ -3930,7 +3930,7 @@
           <a:p>
             <a:fld id="{3A4DE842-E3B8-4097-9F8A-C9DBE7787487}" type="datetimeFigureOut">
               <a:rPr lang="ar-EG" smtClean="0"/>
-              <a:t>17/08/1446</a:t>
+              <a:t>19/11/1446</a:t>
             </a:fld>
             <a:endParaRPr lang="ar-EG"/>
           </a:p>
@@ -4374,7 +4374,7 @@
           <a:p>
             <a:fld id="{3A4DE842-E3B8-4097-9F8A-C9DBE7787487}" type="datetimeFigureOut">
               <a:rPr lang="ar-EG" smtClean="0"/>
-              <a:t>17/08/1446</a:t>
+              <a:t>19/11/1446</a:t>
             </a:fld>
             <a:endParaRPr lang="ar-EG"/>
           </a:p>
@@ -4492,7 +4492,7 @@
           <a:p>
             <a:fld id="{3A4DE842-E3B8-4097-9F8A-C9DBE7787487}" type="datetimeFigureOut">
               <a:rPr lang="ar-EG" smtClean="0"/>
-              <a:t>17/08/1446</a:t>
+              <a:t>19/11/1446</a:t>
             </a:fld>
             <a:endParaRPr lang="ar-EG"/>
           </a:p>
@@ -4587,7 +4587,7 @@
           <a:p>
             <a:fld id="{3A4DE842-E3B8-4097-9F8A-C9DBE7787487}" type="datetimeFigureOut">
               <a:rPr lang="ar-EG" smtClean="0"/>
-              <a:t>17/08/1446</a:t>
+              <a:t>19/11/1446</a:t>
             </a:fld>
             <a:endParaRPr lang="ar-EG"/>
           </a:p>
@@ -4866,7 +4866,7 @@
           <a:p>
             <a:fld id="{3A4DE842-E3B8-4097-9F8A-C9DBE7787487}" type="datetimeFigureOut">
               <a:rPr lang="ar-EG" smtClean="0"/>
-              <a:t>17/08/1446</a:t>
+              <a:t>19/11/1446</a:t>
             </a:fld>
             <a:endParaRPr lang="ar-EG"/>
           </a:p>
@@ -5141,7 +5141,7 @@
           <a:p>
             <a:fld id="{3A4DE842-E3B8-4097-9F8A-C9DBE7787487}" type="datetimeFigureOut">
               <a:rPr lang="ar-EG" smtClean="0"/>
-              <a:t>17/08/1446</a:t>
+              <a:t>19/11/1446</a:t>
             </a:fld>
             <a:endParaRPr lang="ar-EG"/>
           </a:p>
@@ -5570,7 +5570,7 @@
           <a:p>
             <a:fld id="{3A4DE842-E3B8-4097-9F8A-C9DBE7787487}" type="datetimeFigureOut">
               <a:rPr lang="ar-EG" smtClean="0"/>
-              <a:t>17/08/1446</a:t>
+              <a:t>19/11/1446</a:t>
             </a:fld>
             <a:endParaRPr lang="ar-EG"/>
           </a:p>
@@ -7617,7 +7617,7 @@
         </p:nvSpPr>
         <p:spPr>
           <a:xfrm>
-            <a:off x="398834" y="3169407"/>
+            <a:off x="492868" y="3169407"/>
             <a:ext cx="11206264" cy="2585323"/>
           </a:xfrm>
           <a:prstGeom prst="rect">
@@ -7953,6 +7953,42 @@
           </a:prstGeom>
         </p:spPr>
       </p:pic>
+      <p:sp>
+        <p:nvSpPr>
+          <p:cNvPr id="8" name="TextBox 7">
+            <a:extLst>
+              <a:ext uri="{FF2B5EF4-FFF2-40B4-BE49-F238E27FC236}">
+                <a16:creationId xmlns:a16="http://schemas.microsoft.com/office/drawing/2014/main" id="{B34F6E43-0FAC-74F1-1936-17C900AF6528}"/>
+              </a:ext>
+            </a:extLst>
+          </p:cNvPr>
+          <p:cNvSpPr txBox="1"/>
+          <p:nvPr/>
+        </p:nvSpPr>
+        <p:spPr>
+          <a:xfrm>
+            <a:off x="836755" y="5212029"/>
+            <a:ext cx="10313025" cy="1323439"/>
+          </a:xfrm>
+          <a:prstGeom prst="rect">
+            <a:avLst/>
+          </a:prstGeom>
+          <a:noFill/>
+        </p:spPr>
+        <p:txBody>
+          <a:bodyPr wrap="square">
+            <a:spAutoFit/>
+          </a:bodyPr>
+          <a:lstStyle/>
+          <a:p>
+            <a:pPr algn="l"/>
+            <a:r>
+              <a:rPr lang="en-US" sz="2000" dirty="0"/>
+              <a:t>Using StandardCharsets.UTF_8 ensures that the String is always converted to bytes the same way, regardless of the system running the code — which is crucial for consistency and correctness in cryptographic operations like generating HMAC keys.</a:t>
+            </a:r>
+          </a:p>
+        </p:txBody>
+      </p:sp>
     </p:spTree>
     <p:extLst>
       <p:ext uri="{BB962C8B-B14F-4D97-AF65-F5344CB8AC3E}">
